--- a/Quantum & Qiskit/3_QPE.pptx
+++ b/Quantum & Qiskit/3_QPE.pptx
@@ -1901,7 +1901,7 @@
         </p:blipFill>
         <p:spPr>
           <a:xfrm>
-            <a:off x="0" y="10919"/>
+            <a:off x="35003" y="0"/>
             <a:ext cx="12188952" cy="6847076"/>
           </a:xfrm>
           <a:prstGeom prst="rect">
@@ -1909,767 +1909,6 @@
           </a:prstGeom>
         </p:spPr>
       </p:pic>
-      <p:sp>
-        <p:nvSpPr>
-          <p:cNvPr id="4" name="object 4"/>
-          <p:cNvSpPr txBox="1"/>
-          <p:nvPr/>
-        </p:nvSpPr>
-        <p:spPr>
-          <a:xfrm>
-            <a:off x="8465057" y="4801361"/>
-            <a:ext cx="294640" cy="269240"/>
-          </a:xfrm>
-          <a:prstGeom prst="rect">
-            <a:avLst/>
-          </a:prstGeom>
-        </p:spPr>
-        <p:txBody>
-          <a:bodyPr vert="horz" wrap="square" lIns="0" tIns="12065" rIns="0" bIns="0" rtlCol="0">
-            <a:spAutoFit/>
-          </a:bodyPr>
-          <a:lstStyle/>
-          <a:p>
-            <a:pPr marL="12700">
-              <a:lnSpc>
-                <a:spcPct val="100000"/>
-              </a:lnSpc>
-              <a:spcBef>
-                <a:spcPts val="95"/>
-              </a:spcBef>
-            </a:pPr>
-            <a:r>
-              <a:rPr sz="1600" spc="570" dirty="0">
-                <a:latin typeface="Cambria Math"/>
-                <a:cs typeface="Cambria Math"/>
-              </a:rPr>
-              <a:t>෍</a:t>
-            </a:r>
-            <a:endParaRPr sz="1600">
-              <a:latin typeface="Cambria Math"/>
-              <a:cs typeface="Cambria Math"/>
-            </a:endParaRPr>
-          </a:p>
-        </p:txBody>
-      </p:sp>
-      <p:sp>
-        <p:nvSpPr>
-          <p:cNvPr id="5" name="object 5"/>
-          <p:cNvSpPr txBox="1"/>
-          <p:nvPr/>
-        </p:nvSpPr>
-        <p:spPr>
-          <a:xfrm>
-            <a:off x="8556497" y="4554092"/>
-            <a:ext cx="510540" cy="203200"/>
-          </a:xfrm>
-          <a:prstGeom prst="rect">
-            <a:avLst/>
-          </a:prstGeom>
-        </p:spPr>
-        <p:txBody>
-          <a:bodyPr vert="horz" wrap="square" lIns="0" tIns="13970" rIns="0" bIns="0" rtlCol="0">
-            <a:spAutoFit/>
-          </a:bodyPr>
-          <a:lstStyle/>
-          <a:p>
-            <a:pPr marL="12700">
-              <a:lnSpc>
-                <a:spcPct val="100000"/>
-              </a:lnSpc>
-              <a:spcBef>
-                <a:spcPts val="110"/>
-              </a:spcBef>
-              <a:tabLst>
-                <a:tab pos="411480" algn="l"/>
-              </a:tabLst>
-            </a:pPr>
-            <a:r>
-              <a:rPr sz="1150" spc="-50" dirty="0">
-                <a:latin typeface="Cambria Math"/>
-                <a:cs typeface="Cambria Math"/>
-              </a:rPr>
-              <a:t>1</a:t>
-            </a:r>
-            <a:r>
-              <a:rPr sz="1150" dirty="0">
-                <a:latin typeface="Cambria Math"/>
-                <a:cs typeface="Cambria Math"/>
-              </a:rPr>
-              <a:t>	</a:t>
-            </a:r>
-            <a:r>
-              <a:rPr sz="1150" spc="-50" dirty="0">
-                <a:latin typeface="Cambria Math"/>
-                <a:cs typeface="Cambria Math"/>
-              </a:rPr>
-              <a:t>1</a:t>
-            </a:r>
-            <a:endParaRPr sz="1150">
-              <a:latin typeface="Cambria Math"/>
-              <a:cs typeface="Cambria Math"/>
-            </a:endParaRPr>
-          </a:p>
-        </p:txBody>
-      </p:sp>
-      <p:sp>
-        <p:nvSpPr>
-          <p:cNvPr id="6" name="object 6"/>
-          <p:cNvSpPr/>
-          <p:nvPr/>
-        </p:nvSpPr>
-        <p:spPr>
-          <a:xfrm>
-            <a:off x="9594595" y="4830445"/>
-            <a:ext cx="634365" cy="137160"/>
-          </a:xfrm>
-          <a:custGeom>
-            <a:avLst/>
-            <a:gdLst/>
-            <a:ahLst/>
-            <a:cxnLst/>
-            <a:rect l="l" t="t" r="r" b="b"/>
-            <a:pathLst>
-              <a:path w="634365" h="137160">
-                <a:moveTo>
-                  <a:pt x="590676" y="0"/>
-                </a:moveTo>
-                <a:lnTo>
-                  <a:pt x="588772" y="5587"/>
-                </a:lnTo>
-                <a:lnTo>
-                  <a:pt x="596699" y="9016"/>
-                </a:lnTo>
-                <a:lnTo>
-                  <a:pt x="603519" y="13779"/>
-                </a:lnTo>
-                <a:lnTo>
-                  <a:pt x="621378" y="56006"/>
-                </a:lnTo>
-                <a:lnTo>
-                  <a:pt x="621919" y="67817"/>
-                </a:lnTo>
-                <a:lnTo>
-                  <a:pt x="621399" y="79916"/>
-                </a:lnTo>
-                <a:lnTo>
-                  <a:pt x="609169" y="116996"/>
-                </a:lnTo>
-                <a:lnTo>
-                  <a:pt x="588899" y="131444"/>
-                </a:lnTo>
-                <a:lnTo>
-                  <a:pt x="590676" y="136905"/>
-                </a:lnTo>
-                <a:lnTo>
-                  <a:pt x="623061" y="113029"/>
-                </a:lnTo>
-                <a:lnTo>
-                  <a:pt x="634364" y="68579"/>
-                </a:lnTo>
-                <a:lnTo>
-                  <a:pt x="633660" y="56147"/>
-                </a:lnTo>
-                <a:lnTo>
-                  <a:pt x="633652" y="56006"/>
-                </a:lnTo>
-                <a:lnTo>
-                  <a:pt x="616823" y="15573"/>
-                </a:lnTo>
-                <a:lnTo>
-                  <a:pt x="600630" y="3571"/>
-                </a:lnTo>
-                <a:lnTo>
-                  <a:pt x="590676" y="0"/>
-                </a:lnTo>
-                <a:close/>
-              </a:path>
-              <a:path w="634365" h="137160">
-                <a:moveTo>
-                  <a:pt x="43687" y="0"/>
-                </a:moveTo>
-                <a:lnTo>
-                  <a:pt x="11302" y="24002"/>
-                </a:lnTo>
-                <a:lnTo>
-                  <a:pt x="43" y="67817"/>
-                </a:lnTo>
-                <a:lnTo>
-                  <a:pt x="0" y="68579"/>
-                </a:lnTo>
-                <a:lnTo>
-                  <a:pt x="642" y="79916"/>
-                </a:lnTo>
-                <a:lnTo>
-                  <a:pt x="712" y="81151"/>
-                </a:lnTo>
-                <a:lnTo>
-                  <a:pt x="17541" y="121439"/>
-                </a:lnTo>
-                <a:lnTo>
-                  <a:pt x="43687" y="136905"/>
-                </a:lnTo>
-                <a:lnTo>
-                  <a:pt x="45465" y="131444"/>
-                </a:lnTo>
-                <a:lnTo>
-                  <a:pt x="37631" y="127994"/>
-                </a:lnTo>
-                <a:lnTo>
-                  <a:pt x="30892" y="123174"/>
-                </a:lnTo>
-                <a:lnTo>
-                  <a:pt x="13075" y="79916"/>
-                </a:lnTo>
-                <a:lnTo>
-                  <a:pt x="12604" y="68579"/>
-                </a:lnTo>
-                <a:lnTo>
-                  <a:pt x="12573" y="67817"/>
-                </a:lnTo>
-                <a:lnTo>
-                  <a:pt x="20700" y="27304"/>
-                </a:lnTo>
-                <a:lnTo>
-                  <a:pt x="45720" y="5587"/>
-                </a:lnTo>
-                <a:lnTo>
-                  <a:pt x="43687" y="0"/>
-                </a:lnTo>
-                <a:close/>
-              </a:path>
-            </a:pathLst>
-          </a:custGeom>
-          <a:solidFill>
-            <a:srgbClr val="000000"/>
-          </a:solidFill>
-        </p:spPr>
-        <p:txBody>
-          <a:bodyPr wrap="square" lIns="0" tIns="0" rIns="0" bIns="0" rtlCol="0"/>
-          <a:lstStyle/>
-          <a:p>
-            <a:endParaRPr/>
-          </a:p>
-        </p:txBody>
-      </p:sp>
-      <p:sp>
-        <p:nvSpPr>
-          <p:cNvPr id="7" name="object 7"/>
-          <p:cNvSpPr txBox="1"/>
-          <p:nvPr/>
-        </p:nvSpPr>
-        <p:spPr>
-          <a:xfrm>
-            <a:off x="8838945" y="4726000"/>
-            <a:ext cx="2171065" cy="269240"/>
-          </a:xfrm>
-          <a:prstGeom prst="rect">
-            <a:avLst/>
-          </a:prstGeom>
-        </p:spPr>
-        <p:txBody>
-          <a:bodyPr vert="horz" wrap="square" lIns="0" tIns="12065" rIns="0" bIns="0" rtlCol="0">
-            <a:spAutoFit/>
-          </a:bodyPr>
-          <a:lstStyle/>
-          <a:p>
-            <a:pPr marL="38100">
-              <a:lnSpc>
-                <a:spcPct val="100000"/>
-              </a:lnSpc>
-              <a:spcBef>
-                <a:spcPts val="95"/>
-              </a:spcBef>
-            </a:pPr>
-            <a:r>
-              <a:rPr sz="2400" spc="2422" baseline="-20833" dirty="0">
-                <a:latin typeface="Cambria Math"/>
-                <a:cs typeface="Cambria Math"/>
-              </a:rPr>
-              <a:t>෍</a:t>
-            </a:r>
-            <a:r>
-              <a:rPr sz="2400" spc="434" baseline="-20833" dirty="0">
-                <a:latin typeface="Cambria Math"/>
-                <a:cs typeface="Cambria Math"/>
-              </a:rPr>
-              <a:t> </a:t>
-            </a:r>
-            <a:r>
-              <a:rPr sz="2400" spc="82" baseline="-20833" dirty="0">
-                <a:latin typeface="Cambria Math"/>
-                <a:cs typeface="Cambria Math"/>
-              </a:rPr>
-              <a:t>𝑒</a:t>
-            </a:r>
-            <a:r>
-              <a:rPr sz="1150" spc="55" dirty="0">
-                <a:latin typeface="Cambria Math"/>
-                <a:cs typeface="Cambria Math"/>
-              </a:rPr>
-              <a:t>2𝜋𝑖</a:t>
-            </a:r>
-            <a:r>
-              <a:rPr sz="1150" spc="285" dirty="0">
-                <a:latin typeface="Cambria Math"/>
-                <a:cs typeface="Cambria Math"/>
-              </a:rPr>
-              <a:t> </a:t>
-            </a:r>
-            <a:r>
-              <a:rPr sz="1150" spc="55" dirty="0">
-                <a:latin typeface="Cambria Math"/>
-                <a:cs typeface="Cambria Math"/>
-              </a:rPr>
-              <a:t>2𝑎</a:t>
-            </a:r>
-            <a:r>
-              <a:rPr sz="1425" spc="82" baseline="-14619" dirty="0">
-                <a:latin typeface="Cambria Math"/>
-                <a:cs typeface="Cambria Math"/>
-              </a:rPr>
-              <a:t>1</a:t>
-            </a:r>
-            <a:r>
-              <a:rPr sz="1150" spc="55" dirty="0">
-                <a:latin typeface="Cambria Math"/>
-                <a:cs typeface="Cambria Math"/>
-              </a:rPr>
-              <a:t>+𝑎</a:t>
-            </a:r>
-            <a:r>
-              <a:rPr sz="1425" spc="82" baseline="-14619" dirty="0">
-                <a:latin typeface="Cambria Math"/>
-                <a:cs typeface="Cambria Math"/>
-              </a:rPr>
-              <a:t>0</a:t>
-            </a:r>
-            <a:r>
-              <a:rPr sz="1425" spc="494" baseline="-14619" dirty="0">
-                <a:latin typeface="Cambria Math"/>
-                <a:cs typeface="Cambria Math"/>
-              </a:rPr>
-              <a:t> </a:t>
-            </a:r>
-            <a:r>
-              <a:rPr sz="1150" spc="80" dirty="0">
-                <a:latin typeface="Cambria Math"/>
-                <a:cs typeface="Cambria Math"/>
-              </a:rPr>
-              <a:t>𝜃</a:t>
-            </a:r>
-            <a:r>
-              <a:rPr sz="1150" spc="100" dirty="0">
-                <a:latin typeface="Cambria Math"/>
-                <a:cs typeface="Cambria Math"/>
-              </a:rPr>
-              <a:t> </a:t>
-            </a:r>
-            <a:r>
-              <a:rPr sz="2400" spc="-15" baseline="-20833" dirty="0">
-                <a:latin typeface="Cambria Math"/>
-                <a:cs typeface="Cambria Math"/>
-              </a:rPr>
-              <a:t>|𝑎</a:t>
-            </a:r>
-            <a:r>
-              <a:rPr sz="1725" spc="-15" baseline="-43478" dirty="0">
-                <a:latin typeface="Cambria Math"/>
-                <a:cs typeface="Cambria Math"/>
-              </a:rPr>
-              <a:t>1</a:t>
-            </a:r>
-            <a:r>
-              <a:rPr sz="2400" spc="-15" baseline="-20833" dirty="0">
-                <a:latin typeface="Cambria Math"/>
-                <a:cs typeface="Cambria Math"/>
-              </a:rPr>
-              <a:t>𝑎</a:t>
-            </a:r>
-            <a:r>
-              <a:rPr sz="1725" spc="-15" baseline="-43478" dirty="0">
-                <a:latin typeface="Cambria Math"/>
-                <a:cs typeface="Cambria Math"/>
-              </a:rPr>
-              <a:t>0</a:t>
-            </a:r>
-            <a:r>
-              <a:rPr sz="2400" spc="-15" baseline="-19097" dirty="0">
-                <a:latin typeface="Cambria Math"/>
-                <a:cs typeface="Cambria Math"/>
-              </a:rPr>
-              <a:t>ۧ</a:t>
-            </a:r>
-            <a:r>
-              <a:rPr sz="2400" spc="-15" baseline="-20833" dirty="0">
-                <a:latin typeface="Cambria Math"/>
-                <a:cs typeface="Cambria Math"/>
-              </a:rPr>
-              <a:t>.</a:t>
-            </a:r>
-            <a:endParaRPr sz="2400" baseline="-20833">
-              <a:latin typeface="Cambria Math"/>
-              <a:cs typeface="Cambria Math"/>
-            </a:endParaRPr>
-          </a:p>
-        </p:txBody>
-      </p:sp>
-      <p:sp>
-        <p:nvSpPr>
-          <p:cNvPr id="8" name="object 8"/>
-          <p:cNvSpPr/>
-          <p:nvPr/>
-        </p:nvSpPr>
-        <p:spPr>
-          <a:xfrm>
-            <a:off x="10796397" y="5489955"/>
-            <a:ext cx="1126490" cy="245110"/>
-          </a:xfrm>
-          <a:custGeom>
-            <a:avLst/>
-            <a:gdLst/>
-            <a:ahLst/>
-            <a:cxnLst/>
-            <a:rect l="l" t="t" r="r" b="b"/>
-            <a:pathLst>
-              <a:path w="1126490" h="245110">
-                <a:moveTo>
-                  <a:pt x="15240" y="0"/>
-                </a:moveTo>
-                <a:lnTo>
-                  <a:pt x="0" y="0"/>
-                </a:lnTo>
-                <a:lnTo>
-                  <a:pt x="0" y="244881"/>
-                </a:lnTo>
-                <a:lnTo>
-                  <a:pt x="15240" y="244881"/>
-                </a:lnTo>
-                <a:lnTo>
-                  <a:pt x="15240" y="0"/>
-                </a:lnTo>
-                <a:close/>
-              </a:path>
-              <a:path w="1126490" h="245110">
-                <a:moveTo>
-                  <a:pt x="1126236" y="0"/>
-                </a:moveTo>
-                <a:lnTo>
-                  <a:pt x="1110996" y="0"/>
-                </a:lnTo>
-                <a:lnTo>
-                  <a:pt x="1110996" y="244881"/>
-                </a:lnTo>
-                <a:lnTo>
-                  <a:pt x="1126236" y="244881"/>
-                </a:lnTo>
-                <a:lnTo>
-                  <a:pt x="1126236" y="0"/>
-                </a:lnTo>
-                <a:close/>
-              </a:path>
-            </a:pathLst>
-          </a:custGeom>
-          <a:solidFill>
-            <a:srgbClr val="000000"/>
-          </a:solidFill>
-        </p:spPr>
-        <p:txBody>
-          <a:bodyPr wrap="square" lIns="0" tIns="0" rIns="0" bIns="0" rtlCol="0"/>
-          <a:lstStyle/>
-          <a:p>
-            <a:endParaRPr/>
-          </a:p>
-        </p:txBody>
-      </p:sp>
-      <p:sp>
-        <p:nvSpPr>
-          <p:cNvPr id="9" name="object 9"/>
-          <p:cNvSpPr txBox="1"/>
-          <p:nvPr/>
-        </p:nvSpPr>
-        <p:spPr>
-          <a:xfrm>
-            <a:off x="8291321" y="5050654"/>
-            <a:ext cx="3893820" cy="599440"/>
-          </a:xfrm>
-          <a:prstGeom prst="rect">
-            <a:avLst/>
-          </a:prstGeom>
-        </p:spPr>
-        <p:txBody>
-          <a:bodyPr vert="horz" wrap="square" lIns="0" tIns="78740" rIns="0" bIns="0" rtlCol="0">
-            <a:spAutoFit/>
-          </a:bodyPr>
-          <a:lstStyle/>
-          <a:p>
-            <a:pPr marL="139065">
-              <a:lnSpc>
-                <a:spcPct val="100000"/>
-              </a:lnSpc>
-              <a:spcBef>
-                <a:spcPts val="620"/>
-              </a:spcBef>
-            </a:pPr>
-            <a:r>
-              <a:rPr sz="1150" spc="50" dirty="0">
-                <a:latin typeface="Cambria Math"/>
-                <a:cs typeface="Cambria Math"/>
-              </a:rPr>
-              <a:t>𝑎</a:t>
-            </a:r>
-            <a:r>
-              <a:rPr sz="1425" spc="75" baseline="-14619" dirty="0">
-                <a:latin typeface="Cambria Math"/>
-                <a:cs typeface="Cambria Math"/>
-              </a:rPr>
-              <a:t>0</a:t>
-            </a:r>
-            <a:r>
-              <a:rPr sz="1150" spc="50" dirty="0">
-                <a:latin typeface="Cambria Math"/>
-                <a:cs typeface="Cambria Math"/>
-              </a:rPr>
-              <a:t>=0</a:t>
-            </a:r>
-            <a:r>
-              <a:rPr sz="1150" spc="10" dirty="0">
-                <a:latin typeface="Cambria Math"/>
-                <a:cs typeface="Cambria Math"/>
-              </a:rPr>
-              <a:t> </a:t>
-            </a:r>
-            <a:r>
-              <a:rPr sz="1150" spc="30" dirty="0">
-                <a:latin typeface="Cambria Math"/>
-                <a:cs typeface="Cambria Math"/>
-              </a:rPr>
-              <a:t>𝑎</a:t>
-            </a:r>
-            <a:r>
-              <a:rPr sz="1425" spc="44" baseline="-14619" dirty="0">
-                <a:latin typeface="Cambria Math"/>
-                <a:cs typeface="Cambria Math"/>
-              </a:rPr>
-              <a:t>1</a:t>
-            </a:r>
-            <a:r>
-              <a:rPr sz="1150" spc="30" dirty="0">
-                <a:latin typeface="Cambria Math"/>
-                <a:cs typeface="Cambria Math"/>
-              </a:rPr>
-              <a:t>=0</a:t>
-            </a:r>
-            <a:endParaRPr sz="1150">
-              <a:latin typeface="Cambria Math"/>
-              <a:cs typeface="Cambria Math"/>
-            </a:endParaRPr>
-          </a:p>
-          <a:p>
-            <a:pPr marL="50800">
-              <a:lnSpc>
-                <a:spcPct val="100000"/>
-              </a:lnSpc>
-              <a:spcBef>
-                <a:spcPts val="700"/>
-              </a:spcBef>
-            </a:pPr>
-            <a:r>
-              <a:rPr sz="2400" baseline="-20833" dirty="0">
-                <a:latin typeface="Cambria Math"/>
-                <a:cs typeface="Cambria Math"/>
-              </a:rPr>
-              <a:t>=</a:t>
-            </a:r>
-            <a:r>
-              <a:rPr sz="2400" spc="480" baseline="-20833" dirty="0">
-                <a:latin typeface="Cambria Math"/>
-                <a:cs typeface="Cambria Math"/>
-              </a:rPr>
-              <a:t> </a:t>
-            </a:r>
-            <a:r>
-              <a:rPr sz="2400" baseline="-20833" dirty="0">
-                <a:latin typeface="Cambria Math"/>
-                <a:cs typeface="Cambria Math"/>
-              </a:rPr>
-              <a:t>|0</a:t>
-            </a:r>
-            <a:r>
-              <a:rPr sz="2400" baseline="-19097" dirty="0">
-                <a:latin typeface="Cambria Math"/>
-                <a:cs typeface="Cambria Math"/>
-              </a:rPr>
-              <a:t>ۧ</a:t>
-            </a:r>
-            <a:r>
-              <a:rPr sz="2400" spc="262" baseline="-19097" dirty="0">
-                <a:latin typeface="Cambria Math"/>
-                <a:cs typeface="Cambria Math"/>
-              </a:rPr>
-              <a:t> </a:t>
-            </a:r>
-            <a:r>
-              <a:rPr sz="2400" baseline="-20833" dirty="0">
-                <a:latin typeface="Cambria Math"/>
-                <a:cs typeface="Cambria Math"/>
-              </a:rPr>
-              <a:t>+</a:t>
-            </a:r>
-            <a:r>
-              <a:rPr sz="2400" spc="300" baseline="-20833" dirty="0">
-                <a:latin typeface="Cambria Math"/>
-                <a:cs typeface="Cambria Math"/>
-              </a:rPr>
-              <a:t> </a:t>
-            </a:r>
-            <a:r>
-              <a:rPr sz="2400" spc="67" baseline="-20833" dirty="0">
-                <a:latin typeface="Cambria Math"/>
-                <a:cs typeface="Cambria Math"/>
-              </a:rPr>
-              <a:t>𝑒</a:t>
-            </a:r>
-            <a:r>
-              <a:rPr sz="1150" spc="45" dirty="0">
-                <a:latin typeface="Cambria Math"/>
-                <a:cs typeface="Cambria Math"/>
-              </a:rPr>
-              <a:t>2𝜋𝑖∗1𝜃</a:t>
-            </a:r>
-            <a:r>
-              <a:rPr sz="2400" spc="67" baseline="-20833" dirty="0">
-                <a:latin typeface="Cambria Math"/>
-                <a:cs typeface="Cambria Math"/>
-              </a:rPr>
-              <a:t>|1</a:t>
-            </a:r>
-            <a:r>
-              <a:rPr sz="2400" spc="67" baseline="-19097" dirty="0">
-                <a:latin typeface="Cambria Math"/>
-                <a:cs typeface="Cambria Math"/>
-              </a:rPr>
-              <a:t>ۧ</a:t>
-            </a:r>
-            <a:r>
-              <a:rPr sz="2400" spc="262" baseline="-19097" dirty="0">
-                <a:latin typeface="Cambria Math"/>
-                <a:cs typeface="Cambria Math"/>
-              </a:rPr>
-              <a:t> </a:t>
-            </a:r>
-            <a:r>
-              <a:rPr sz="2400" baseline="-20833" dirty="0">
-                <a:latin typeface="Cambria Math"/>
-                <a:cs typeface="Cambria Math"/>
-              </a:rPr>
-              <a:t>+</a:t>
-            </a:r>
-            <a:r>
-              <a:rPr sz="2400" spc="300" baseline="-20833" dirty="0">
-                <a:latin typeface="Cambria Math"/>
-                <a:cs typeface="Cambria Math"/>
-              </a:rPr>
-              <a:t> </a:t>
-            </a:r>
-            <a:r>
-              <a:rPr sz="2400" spc="82" baseline="-20833" dirty="0">
-                <a:latin typeface="Cambria Math"/>
-                <a:cs typeface="Cambria Math"/>
-              </a:rPr>
-              <a:t>𝑒</a:t>
-            </a:r>
-            <a:r>
-              <a:rPr sz="1150" spc="55" dirty="0">
-                <a:latin typeface="Cambria Math"/>
-                <a:cs typeface="Cambria Math"/>
-              </a:rPr>
-              <a:t>2𝜋𝑖∗2𝜃</a:t>
-            </a:r>
-            <a:r>
-              <a:rPr sz="1150" spc="204" dirty="0">
-                <a:latin typeface="Cambria Math"/>
-                <a:cs typeface="Cambria Math"/>
-              </a:rPr>
-              <a:t>  </a:t>
-            </a:r>
-            <a:r>
-              <a:rPr sz="2400" baseline="-20833" dirty="0">
-                <a:latin typeface="Cambria Math"/>
-                <a:cs typeface="Cambria Math"/>
-              </a:rPr>
-              <a:t>2</a:t>
-            </a:r>
-            <a:r>
-              <a:rPr sz="2400" baseline="-19097" dirty="0">
-                <a:latin typeface="Cambria Math"/>
-                <a:cs typeface="Cambria Math"/>
-              </a:rPr>
-              <a:t>ۧ</a:t>
-            </a:r>
-            <a:r>
-              <a:rPr sz="2400" spc="292" baseline="-19097" dirty="0">
-                <a:latin typeface="Cambria Math"/>
-                <a:cs typeface="Cambria Math"/>
-              </a:rPr>
-              <a:t> </a:t>
-            </a:r>
-            <a:r>
-              <a:rPr sz="2400" baseline="-20833" dirty="0">
-                <a:latin typeface="Cambria Math"/>
-                <a:cs typeface="Cambria Math"/>
-              </a:rPr>
-              <a:t>+</a:t>
-            </a:r>
-            <a:r>
-              <a:rPr sz="2400" spc="300" baseline="-20833" dirty="0">
-                <a:latin typeface="Cambria Math"/>
-                <a:cs typeface="Cambria Math"/>
-              </a:rPr>
-              <a:t> </a:t>
-            </a:r>
-            <a:r>
-              <a:rPr sz="2400" spc="82" baseline="-20833" dirty="0">
-                <a:latin typeface="Cambria Math"/>
-                <a:cs typeface="Cambria Math"/>
-              </a:rPr>
-              <a:t>𝑒</a:t>
-            </a:r>
-            <a:r>
-              <a:rPr sz="1150" spc="55" dirty="0">
-                <a:latin typeface="Cambria Math"/>
-                <a:cs typeface="Cambria Math"/>
-              </a:rPr>
-              <a:t>2𝜋𝑖∗3𝜃</a:t>
-            </a:r>
-            <a:r>
-              <a:rPr sz="1150" spc="204" dirty="0">
-                <a:latin typeface="Cambria Math"/>
-                <a:cs typeface="Cambria Math"/>
-              </a:rPr>
-              <a:t>  </a:t>
-            </a:r>
-            <a:r>
-              <a:rPr sz="2400" spc="-82" baseline="-20833" dirty="0">
-                <a:latin typeface="Cambria Math"/>
-                <a:cs typeface="Cambria Math"/>
-              </a:rPr>
-              <a:t>3</a:t>
-            </a:r>
-            <a:r>
-              <a:rPr sz="2400" spc="-82" baseline="-19097" dirty="0">
-                <a:latin typeface="Cambria Math"/>
-                <a:cs typeface="Cambria Math"/>
-              </a:rPr>
-              <a:t>ۧ</a:t>
-            </a:r>
-            <a:endParaRPr sz="2400" baseline="-19097">
-              <a:latin typeface="Cambria Math"/>
-              <a:cs typeface="Cambria Math"/>
-            </a:endParaRPr>
-          </a:p>
-        </p:txBody>
-      </p:sp>
     </p:spTree>
   </p:cSld>
   <p:clrMapOvr>
@@ -17412,70 +16651,6 @@
       </p:grpSp>
       <p:sp>
         <p:nvSpPr>
-          <p:cNvPr id="5" name="object 5"/>
-          <p:cNvSpPr txBox="1"/>
-          <p:nvPr/>
-        </p:nvSpPr>
-        <p:spPr>
-          <a:xfrm>
-            <a:off x="5526404" y="5304790"/>
-            <a:ext cx="818515" cy="269240"/>
-          </a:xfrm>
-          <a:prstGeom prst="rect">
-            <a:avLst/>
-          </a:prstGeom>
-        </p:spPr>
-        <p:txBody>
-          <a:bodyPr vert="horz" wrap="square" lIns="0" tIns="12065" rIns="0" bIns="0" rtlCol="0">
-            <a:spAutoFit/>
-          </a:bodyPr>
-          <a:lstStyle/>
-          <a:p>
-            <a:pPr marL="12700">
-              <a:lnSpc>
-                <a:spcPct val="100000"/>
-              </a:lnSpc>
-              <a:spcBef>
-                <a:spcPts val="95"/>
-              </a:spcBef>
-            </a:pPr>
-            <a:r>
-              <a:rPr sz="1600" dirty="0">
-                <a:latin typeface="Cambria Math"/>
-                <a:cs typeface="Cambria Math"/>
-              </a:rPr>
-              <a:t>|ψ</a:t>
-            </a:r>
-            <a:r>
-              <a:rPr sz="2400" baseline="1736" dirty="0">
-                <a:latin typeface="Cambria Math"/>
-                <a:cs typeface="Cambria Math"/>
-              </a:rPr>
-              <a:t>ۧ</a:t>
-            </a:r>
-            <a:r>
-              <a:rPr sz="2400" spc="337" baseline="1736" dirty="0">
-                <a:latin typeface="Cambria Math"/>
-                <a:cs typeface="Cambria Math"/>
-              </a:rPr>
-              <a:t> </a:t>
-            </a:r>
-            <a:r>
-              <a:rPr sz="1600" spc="1490" dirty="0">
-                <a:latin typeface="Cambria Math"/>
-                <a:cs typeface="Cambria Math"/>
-              </a:rPr>
-              <a:t>ໆ</a:t>
-            </a:r>
-            <a:endParaRPr sz="1600">
-              <a:latin typeface="Cambria Math"/>
-              <a:cs typeface="Cambria Math"/>
-            </a:endParaRPr>
-          </a:p>
-        </p:txBody>
-      </p:sp>
-      <p:sp>
-        <p:nvSpPr>
           <p:cNvPr id="6" name="object 6"/>
           <p:cNvSpPr/>
           <p:nvPr/>
@@ -17526,49 +16701,6 @@
       </p:sp>
       <p:sp>
         <p:nvSpPr>
-          <p:cNvPr id="7" name="object 7"/>
-          <p:cNvSpPr txBox="1"/>
-          <p:nvPr/>
-        </p:nvSpPr>
-        <p:spPr>
-          <a:xfrm>
-            <a:off x="6550532" y="5150865"/>
-            <a:ext cx="137795" cy="269240"/>
-          </a:xfrm>
-          <a:prstGeom prst="rect">
-            <a:avLst/>
-          </a:prstGeom>
-        </p:spPr>
-        <p:txBody>
-          <a:bodyPr vert="horz" wrap="square" lIns="0" tIns="12065" rIns="0" bIns="0" rtlCol="0">
-            <a:spAutoFit/>
-          </a:bodyPr>
-          <a:lstStyle/>
-          <a:p>
-            <a:pPr marL="12700">
-              <a:lnSpc>
-                <a:spcPct val="100000"/>
-              </a:lnSpc>
-              <a:spcBef>
-                <a:spcPts val="95"/>
-              </a:spcBef>
-            </a:pPr>
-            <a:r>
-              <a:rPr sz="1600" spc="-50" dirty="0">
-                <a:latin typeface="Cambria Math"/>
-                <a:cs typeface="Cambria Math"/>
-              </a:rPr>
-              <a:t>1</a:t>
-            </a:r>
-            <a:endParaRPr sz="1600">
-              <a:latin typeface="Cambria Math"/>
-              <a:cs typeface="Cambria Math"/>
-            </a:endParaRPr>
-          </a:p>
-        </p:txBody>
-      </p:sp>
-      <p:sp>
-        <p:nvSpPr>
           <p:cNvPr id="11" name="object 11"/>
           <p:cNvSpPr txBox="1">
             <a:spLocks noGrp="1"/>
@@ -17598,219 +16730,6 @@
               <a:t>30</a:t>
             </a:fld>
             <a:endParaRPr spc="-25" dirty="0"/>
-          </a:p>
-        </p:txBody>
-      </p:sp>
-      <p:sp>
-        <p:nvSpPr>
-          <p:cNvPr id="8" name="object 8"/>
-          <p:cNvSpPr txBox="1"/>
-          <p:nvPr/>
-        </p:nvSpPr>
-        <p:spPr>
-          <a:xfrm>
-            <a:off x="6372733" y="5384088"/>
-            <a:ext cx="486409" cy="269240"/>
-          </a:xfrm>
-          <a:prstGeom prst="rect">
-            <a:avLst/>
-          </a:prstGeom>
-        </p:spPr>
-        <p:txBody>
-          <a:bodyPr vert="horz" wrap="square" lIns="0" tIns="12065" rIns="0" bIns="0" rtlCol="0">
-            <a:spAutoFit/>
-          </a:bodyPr>
-          <a:lstStyle/>
-          <a:p>
-            <a:pPr marL="38100">
-              <a:lnSpc>
-                <a:spcPct val="100000"/>
-              </a:lnSpc>
-              <a:spcBef>
-                <a:spcPts val="95"/>
-              </a:spcBef>
-            </a:pPr>
-            <a:r>
-              <a:rPr sz="2400" spc="-30" baseline="-17361" dirty="0">
-                <a:latin typeface="Cambria Math"/>
-                <a:cs typeface="Cambria Math"/>
-              </a:rPr>
-              <a:t>2</a:t>
-            </a:r>
-            <a:r>
-              <a:rPr sz="1150" spc="-20" dirty="0">
-                <a:latin typeface="Cambria Math"/>
-                <a:cs typeface="Cambria Math"/>
-              </a:rPr>
-              <a:t>m/2</a:t>
-            </a:r>
-            <a:endParaRPr sz="1150">
-              <a:latin typeface="Cambria Math"/>
-              <a:cs typeface="Cambria Math"/>
-            </a:endParaRPr>
-          </a:p>
-        </p:txBody>
-      </p:sp>
-      <p:sp>
-        <p:nvSpPr>
-          <p:cNvPr id="9" name="object 9"/>
-          <p:cNvSpPr txBox="1"/>
-          <p:nvPr/>
-        </p:nvSpPr>
-        <p:spPr>
-          <a:xfrm>
-            <a:off x="6825360" y="5007218"/>
-            <a:ext cx="483870" cy="814705"/>
-          </a:xfrm>
-          <a:prstGeom prst="rect">
-            <a:avLst/>
-          </a:prstGeom>
-        </p:spPr>
-        <p:txBody>
-          <a:bodyPr vert="horz" wrap="square" lIns="0" tIns="64769" rIns="0" bIns="0" rtlCol="0">
-            <a:spAutoFit/>
-          </a:bodyPr>
-          <a:lstStyle/>
-          <a:p>
-            <a:pPr algn="ctr">
-              <a:lnSpc>
-                <a:spcPct val="100000"/>
-              </a:lnSpc>
-              <a:spcBef>
-                <a:spcPts val="509"/>
-              </a:spcBef>
-            </a:pPr>
-            <a:r>
-              <a:rPr sz="1150" spc="45" dirty="0">
-                <a:latin typeface="Cambria Math"/>
-                <a:cs typeface="Cambria Math"/>
-              </a:rPr>
-              <a:t>2</a:t>
-            </a:r>
-            <a:r>
-              <a:rPr sz="1425" spc="67" baseline="26315" dirty="0">
-                <a:latin typeface="Cambria Math"/>
-                <a:cs typeface="Cambria Math"/>
-              </a:rPr>
-              <a:t>m</a:t>
-            </a:r>
-            <a:r>
-              <a:rPr sz="1150" spc="45" dirty="0">
-                <a:latin typeface="Cambria Math"/>
-                <a:cs typeface="Cambria Math"/>
-              </a:rPr>
-              <a:t>−1</a:t>
-            </a:r>
-            <a:endParaRPr sz="1150">
-              <a:latin typeface="Cambria Math"/>
-              <a:cs typeface="Cambria Math"/>
-            </a:endParaRPr>
-          </a:p>
-          <a:p>
-            <a:pPr marL="32384" algn="ctr">
-              <a:lnSpc>
-                <a:spcPct val="100000"/>
-              </a:lnSpc>
-              <a:spcBef>
-                <a:spcPts val="550"/>
-              </a:spcBef>
-            </a:pPr>
-            <a:r>
-              <a:rPr sz="1600" spc="1565" dirty="0">
-                <a:latin typeface="Cambria Math"/>
-                <a:cs typeface="Cambria Math"/>
-              </a:rPr>
-              <a:t>෍</a:t>
-            </a:r>
-            <a:endParaRPr sz="1600">
-              <a:latin typeface="Cambria Math"/>
-              <a:cs typeface="Cambria Math"/>
-            </a:endParaRPr>
-          </a:p>
-          <a:p>
-            <a:pPr marL="32384" algn="ctr">
-              <a:lnSpc>
-                <a:spcPct val="100000"/>
-              </a:lnSpc>
-              <a:spcBef>
-                <a:spcPts val="570"/>
-              </a:spcBef>
-            </a:pPr>
-            <a:r>
-              <a:rPr sz="1150" spc="-25" dirty="0">
-                <a:latin typeface="Cambria Math"/>
-                <a:cs typeface="Cambria Math"/>
-              </a:rPr>
-              <a:t>x=0</a:t>
-            </a:r>
-            <a:endParaRPr sz="1150">
-              <a:latin typeface="Cambria Math"/>
-              <a:cs typeface="Cambria Math"/>
-            </a:endParaRPr>
-          </a:p>
-        </p:txBody>
-      </p:sp>
-      <p:sp>
-        <p:nvSpPr>
-          <p:cNvPr id="10" name="object 10"/>
-          <p:cNvSpPr txBox="1"/>
-          <p:nvPr/>
-        </p:nvSpPr>
-        <p:spPr>
-          <a:xfrm>
-            <a:off x="7299706" y="5230114"/>
-            <a:ext cx="822960" cy="269240"/>
-          </a:xfrm>
-          <a:prstGeom prst="rect">
-            <a:avLst/>
-          </a:prstGeom>
-        </p:spPr>
-        <p:txBody>
-          <a:bodyPr vert="horz" wrap="square" lIns="0" tIns="12065" rIns="0" bIns="0" rtlCol="0">
-            <a:spAutoFit/>
-          </a:bodyPr>
-          <a:lstStyle/>
-          <a:p>
-            <a:pPr marL="38100">
-              <a:lnSpc>
-                <a:spcPct val="100000"/>
-              </a:lnSpc>
-              <a:spcBef>
-                <a:spcPts val="95"/>
-              </a:spcBef>
-            </a:pPr>
-            <a:r>
-              <a:rPr sz="2400" spc="-15" baseline="-20833" dirty="0">
-                <a:latin typeface="Cambria Math"/>
-                <a:cs typeface="Cambria Math"/>
-              </a:rPr>
-              <a:t>e</a:t>
-            </a:r>
-            <a:r>
-              <a:rPr sz="1150" spc="-10" dirty="0">
-                <a:latin typeface="Cambria Math"/>
-                <a:cs typeface="Cambria Math"/>
-              </a:rPr>
-              <a:t>2πixθ</a:t>
-            </a:r>
-            <a:r>
-              <a:rPr sz="2400" spc="-15" baseline="-20833" dirty="0">
-                <a:latin typeface="Cambria Math"/>
-                <a:cs typeface="Cambria Math"/>
-              </a:rPr>
-              <a:t>|x</a:t>
-            </a:r>
-            <a:r>
-              <a:rPr sz="2400" spc="-15" baseline="-19097" dirty="0">
-                <a:latin typeface="Cambria Math"/>
-                <a:cs typeface="Cambria Math"/>
-              </a:rPr>
-              <a:t>ۧ</a:t>
-            </a:r>
-            <a:endParaRPr sz="2400" baseline="-19097">
-              <a:latin typeface="Cambria Math"/>
-              <a:cs typeface="Cambria Math"/>
-            </a:endParaRPr>
           </a:p>
         </p:txBody>
       </p:sp>
